--- a/New/Presentation.pptx
+++ b/New/Presentation.pptx
@@ -538,7 +538,7 @@
           <a:p>
             <a:fld id="{83284890-85D2-4D7B-8EF5-15A9C1DB8F42}" type="datetimeFigureOut">
               <a:rPr lang="en-US" dirty="0"/>
-              <a:t>22-May-22</a:t>
+              <a:t>5/22/2022</a:t>
             </a:fld>
             <a:endParaRPr lang="en-US" dirty="0"/>
           </a:p>
@@ -713,7 +713,7 @@
           <a:p>
             <a:fld id="{87157CC2-0FC8-4686-B024-99790E0F5162}" type="datetimeFigureOut">
               <a:rPr lang="en-US" dirty="0"/>
-              <a:t>22-May-22</a:t>
+              <a:t>5/22/2022</a:t>
             </a:fld>
             <a:endParaRPr lang="en-US" dirty="0"/>
           </a:p>
@@ -888,7 +888,7 @@
           <a:p>
             <a:fld id="{F6764DA5-CD3D-4590-A511-FCD3BC7A793E}" type="datetimeFigureOut">
               <a:rPr lang="en-US" dirty="0"/>
-              <a:t>22-May-22</a:t>
+              <a:t>5/22/2022</a:t>
             </a:fld>
             <a:endParaRPr lang="en-US" dirty="0"/>
           </a:p>
@@ -1053,7 +1053,7 @@
           <a:p>
             <a:fld id="{82F5661D-6934-4B32-B92C-470368BF1EC6}" type="datetimeFigureOut">
               <a:rPr lang="en-US" dirty="0"/>
-              <a:t>22-May-22</a:t>
+              <a:t>5/22/2022</a:t>
             </a:fld>
             <a:endParaRPr lang="en-US" dirty="0"/>
           </a:p>
@@ -1361,7 +1361,7 @@
           <a:p>
             <a:fld id="{C6F822A4-8DA6-4447-9B1F-C5DB58435268}" type="datetimeFigureOut">
               <a:rPr lang="en-US" dirty="0"/>
-              <a:t>22-May-22</a:t>
+              <a:t>5/22/2022</a:t>
             </a:fld>
             <a:endParaRPr lang="en-US" dirty="0"/>
           </a:p>
@@ -1743,7 +1743,7 @@
           <a:p>
             <a:fld id="{E548D31E-DCDA-41A7-9C67-C4B11B94D21D}" type="datetimeFigureOut">
               <a:rPr lang="en-US" dirty="0"/>
-              <a:t>22-May-22</a:t>
+              <a:t>5/22/2022</a:t>
             </a:fld>
             <a:endParaRPr lang="en-US" dirty="0"/>
           </a:p>
@@ -2172,7 +2172,7 @@
           <a:p>
             <a:fld id="{9B3762C0-B258-48F1-ADE6-176B4174CCDD}" type="datetimeFigureOut">
               <a:rPr lang="en-US" dirty="0"/>
-              <a:t>22-May-22</a:t>
+              <a:t>5/22/2022</a:t>
             </a:fld>
             <a:endParaRPr lang="en-US" dirty="0"/>
           </a:p>
@@ -2285,7 +2285,7 @@
           <a:p>
             <a:fld id="{677919A6-33EB-49BD-A62F-1FA56B9F9712}" type="datetimeFigureOut">
               <a:rPr lang="en-US" dirty="0"/>
-              <a:t>22-May-22</a:t>
+              <a:t>5/22/2022</a:t>
             </a:fld>
             <a:endParaRPr lang="en-US" dirty="0"/>
           </a:p>
@@ -2375,7 +2375,7 @@
           <a:p>
             <a:fld id="{CA4E7D1B-D673-4CF6-8672-009D42ABD2A0}" type="datetimeFigureOut">
               <a:rPr lang="en-US" dirty="0"/>
-              <a:t>22-May-22</a:t>
+              <a:t>5/22/2022</a:t>
             </a:fld>
             <a:endParaRPr lang="en-US" dirty="0"/>
           </a:p>
@@ -2720,7 +2720,7 @@
           <a:p>
             <a:fld id="{DA16AA21-1863-4931-97CB-99D0A168701B}" type="datetimeFigureOut">
               <a:rPr lang="en-US" dirty="0"/>
-              <a:t>22-May-22</a:t>
+              <a:t>5/22/2022</a:t>
             </a:fld>
             <a:endParaRPr lang="en-US" dirty="0"/>
           </a:p>
@@ -3140,7 +3140,7 @@
           <a:p>
             <a:fld id="{3772C379-9A7C-4C87-A116-CBE9F58B04C5}" type="datetimeFigureOut">
               <a:rPr lang="en-US" dirty="0"/>
-              <a:t>22-May-22</a:t>
+              <a:t>5/22/2022</a:t>
             </a:fld>
             <a:endParaRPr lang="en-US" dirty="0"/>
           </a:p>
@@ -3416,7 +3416,7 @@
           <a:p>
             <a:fld id="{8664C608-40B1-4030-A28D-5B74BC98ADCE}" type="datetimeFigureOut">
               <a:rPr lang="en-US" dirty="0"/>
-              <a:t>22-May-22</a:t>
+              <a:t>5/22/2022</a:t>
             </a:fld>
             <a:endParaRPr lang="en-US" dirty="0"/>
           </a:p>
@@ -5870,13 +5870,8 @@
           <a:p>
             <a:r>
               <a:rPr lang="en-US" sz="6000" dirty="0"/>
-              <a:t>User Error </a:t>
-            </a:r>
-            <a:r>
-              <a:rPr lang="en-US" sz="6000" dirty="0" err="1"/>
-              <a:t>Handeling</a:t>
-            </a:r>
-            <a:endParaRPr lang="en-US" sz="6000" dirty="0"/>
+              <a:t>User Error Handling</a:t>
+            </a:r>
           </a:p>
         </p:txBody>
       </p:sp>
